--- a/Slides/Lecture 8.pptx
+++ b/Slides/Lecture 8.pptx
@@ -263,7 +263,7 @@
           <a:p>
             <a:fld id="{DCA81E97-D514-49D8-B754-6BBF283B1A94}" type="datetimeFigureOut">
               <a:rPr lang="en-US" smtClean="0"/>
-              <a:t>3/29/2021</a:t>
+              <a:t>3/30/2021</a:t>
             </a:fld>
             <a:endParaRPr lang="en-US"/>
           </a:p>
@@ -444,7 +444,7 @@
           <a:p>
             <a:fld id="{1CB48AD5-CDAE-4B7B-B49D-6DB81FF5A179}" type="datetimeFigureOut">
               <a:rPr lang="en-US" smtClean="0"/>
-              <a:t>3/29/2021</a:t>
+              <a:t>3/30/2021</a:t>
             </a:fld>
             <a:endParaRPr lang="en-US"/>
           </a:p>
@@ -862,7 +862,7 @@
           <a:p>
             <a:fld id="{C4959B56-7D6D-462F-B061-93C9E323EE8A}" type="datetimeFigureOut">
               <a:rPr lang="en-US" smtClean="0"/>
-              <a:t>3/29/2021</a:t>
+              <a:t>3/30/2021</a:t>
             </a:fld>
             <a:endParaRPr lang="en-US"/>
           </a:p>
@@ -1060,7 +1060,7 @@
           <a:p>
             <a:fld id="{C4959B56-7D6D-462F-B061-93C9E323EE8A}" type="datetimeFigureOut">
               <a:rPr lang="en-US" smtClean="0"/>
-              <a:t>3/29/2021</a:t>
+              <a:t>3/30/2021</a:t>
             </a:fld>
             <a:endParaRPr lang="en-US"/>
           </a:p>
@@ -1268,7 +1268,7 @@
           <a:p>
             <a:fld id="{C4959B56-7D6D-462F-B061-93C9E323EE8A}" type="datetimeFigureOut">
               <a:rPr lang="en-US" smtClean="0"/>
-              <a:t>3/29/2021</a:t>
+              <a:t>3/30/2021</a:t>
             </a:fld>
             <a:endParaRPr lang="en-US"/>
           </a:p>
@@ -1466,7 +1466,7 @@
           <a:p>
             <a:fld id="{C4959B56-7D6D-462F-B061-93C9E323EE8A}" type="datetimeFigureOut">
               <a:rPr lang="en-US" smtClean="0"/>
-              <a:t>3/29/2021</a:t>
+              <a:t>3/30/2021</a:t>
             </a:fld>
             <a:endParaRPr lang="en-US"/>
           </a:p>
@@ -1741,7 +1741,7 @@
           <a:p>
             <a:fld id="{C4959B56-7D6D-462F-B061-93C9E323EE8A}" type="datetimeFigureOut">
               <a:rPr lang="en-US" smtClean="0"/>
-              <a:t>3/29/2021</a:t>
+              <a:t>3/30/2021</a:t>
             </a:fld>
             <a:endParaRPr lang="en-US"/>
           </a:p>
@@ -2006,7 +2006,7 @@
           <a:p>
             <a:fld id="{C4959B56-7D6D-462F-B061-93C9E323EE8A}" type="datetimeFigureOut">
               <a:rPr lang="en-US" smtClean="0"/>
-              <a:t>3/29/2021</a:t>
+              <a:t>3/30/2021</a:t>
             </a:fld>
             <a:endParaRPr lang="en-US"/>
           </a:p>
@@ -2418,7 +2418,7 @@
           <a:p>
             <a:fld id="{C4959B56-7D6D-462F-B061-93C9E323EE8A}" type="datetimeFigureOut">
               <a:rPr lang="en-US" smtClean="0"/>
-              <a:t>3/29/2021</a:t>
+              <a:t>3/30/2021</a:t>
             </a:fld>
             <a:endParaRPr lang="en-US"/>
           </a:p>
@@ -2559,7 +2559,7 @@
           <a:p>
             <a:fld id="{C4959B56-7D6D-462F-B061-93C9E323EE8A}" type="datetimeFigureOut">
               <a:rPr lang="en-US" smtClean="0"/>
-              <a:t>3/29/2021</a:t>
+              <a:t>3/30/2021</a:t>
             </a:fld>
             <a:endParaRPr lang="en-US"/>
           </a:p>
@@ -2672,7 +2672,7 @@
           <a:p>
             <a:fld id="{C4959B56-7D6D-462F-B061-93C9E323EE8A}" type="datetimeFigureOut">
               <a:rPr lang="en-US" smtClean="0"/>
-              <a:t>3/29/2021</a:t>
+              <a:t>3/30/2021</a:t>
             </a:fld>
             <a:endParaRPr lang="en-US"/>
           </a:p>
@@ -2983,7 +2983,7 @@
           <a:p>
             <a:fld id="{C4959B56-7D6D-462F-B061-93C9E323EE8A}" type="datetimeFigureOut">
               <a:rPr lang="en-US" smtClean="0"/>
-              <a:t>3/29/2021</a:t>
+              <a:t>3/30/2021</a:t>
             </a:fld>
             <a:endParaRPr lang="en-US"/>
           </a:p>
@@ -3271,7 +3271,7 @@
           <a:p>
             <a:fld id="{C4959B56-7D6D-462F-B061-93C9E323EE8A}" type="datetimeFigureOut">
               <a:rPr lang="en-US" smtClean="0"/>
-              <a:t>3/29/2021</a:t>
+              <a:t>3/30/2021</a:t>
             </a:fld>
             <a:endParaRPr lang="en-US"/>
           </a:p>
@@ -3512,7 +3512,7 @@
           <a:p>
             <a:fld id="{C4959B56-7D6D-462F-B061-93C9E323EE8A}" type="datetimeFigureOut">
               <a:rPr lang="en-US" smtClean="0"/>
-              <a:t>3/29/2021</a:t>
+              <a:t>3/30/2021</a:t>
             </a:fld>
             <a:endParaRPr lang="en-US"/>
           </a:p>
@@ -5077,7 +5077,7 @@
             </a:pPr>
             <a:r>
               <a:rPr lang="en-US" sz="2000" dirty="0"/>
-              <a:t> single task creator </a:t>
+              <a:t> Single Task Creator </a:t>
             </a:r>
           </a:p>
           <a:p>
@@ -5095,7 +5095,57 @@
                   <a:srgbClr val="00B050"/>
                 </a:solidFill>
               </a:rPr>
-              <a:t>#pragma omp single</a:t>
+              <a:t>#pragma </a:t>
+            </a:r>
+            <a:r>
+              <a:rPr lang="en-US" dirty="0" err="1">
+                <a:solidFill>
+                  <a:srgbClr val="00B050"/>
+                </a:solidFill>
+              </a:rPr>
+              <a:t>omp</a:t>
+            </a:r>
+            <a:r>
+              <a:rPr lang="en-US" dirty="0">
+                <a:solidFill>
+                  <a:srgbClr val="00B050"/>
+                </a:solidFill>
+              </a:rPr>
+              <a:t> single </a:t>
+            </a:r>
+          </a:p>
+          <a:p>
+            <a:pPr lvl="2">
+              <a:buFont typeface="Courier New" panose="02070309020205020404" pitchFamily="49" charset="0"/>
+              <a:buChar char="o"/>
+            </a:pPr>
+            <a:r>
+              <a:rPr lang="en-US" dirty="0"/>
+              <a:t>with </a:t>
+            </a:r>
+            <a:r>
+              <a:rPr lang="en-US" dirty="0">
+                <a:solidFill>
+                  <a:srgbClr val="00B050"/>
+                </a:solidFill>
+              </a:rPr>
+              <a:t>#pragma </a:t>
+            </a:r>
+            <a:r>
+              <a:rPr lang="en-US" dirty="0" err="1">
+                <a:solidFill>
+                  <a:srgbClr val="00B050"/>
+                </a:solidFill>
+              </a:rPr>
+              <a:t>omp</a:t>
+            </a:r>
+            <a:r>
+              <a:rPr lang="en-US" dirty="0">
+                <a:solidFill>
+                  <a:srgbClr val="00B050"/>
+                </a:solidFill>
+              </a:rPr>
+              <a:t> master </a:t>
             </a:r>
           </a:p>
           <a:p>
@@ -5105,7 +5155,7 @@
             </a:pPr>
             <a:r>
               <a:rPr lang="en-US" sz="2000" dirty="0"/>
-              <a:t> multiple task creators</a:t>
+              <a:t> Multiple Task Creators</a:t>
             </a:r>
           </a:p>
           <a:p>
@@ -5115,7 +5165,7 @@
             </a:pPr>
             <a:r>
               <a:rPr lang="en-US" sz="2000" dirty="0"/>
-              <a:t> nested tasks</a:t>
+              <a:t> Nested Tasks</a:t>
             </a:r>
           </a:p>
           <a:p>
@@ -6955,7 +7005,7 @@
             </a:r>
             <a:r>
               <a:rPr lang="en-US" sz="2000" dirty="0"/>
-              <a:t>restrict scheduling  </a:t>
+              <a:t>restrict scheduling decisions </a:t>
             </a:r>
             <a:r>
               <a:rPr lang="en-US" sz="2000" dirty="0">
@@ -7171,113 +7221,115 @@
           </a:bodyPr>
           <a:lstStyle/>
           <a:p>
+            <a:pPr>
+              <a:buFont typeface="Wingdings" panose="05000000000000000000" pitchFamily="2" charset="2"/>
+              <a:buChar char="q"/>
+            </a:pPr>
+            <a:r>
+              <a:rPr lang="en-US" sz="2000" dirty="0"/>
+              <a:t>In addition to </a:t>
+            </a:r>
+            <a:r>
+              <a:rPr lang="en-US" sz="2000" dirty="0">
+                <a:solidFill>
+                  <a:srgbClr val="FF0000"/>
+                </a:solidFill>
+              </a:rPr>
+              <a:t>explicit tasks </a:t>
+            </a:r>
+            <a:r>
+              <a:rPr lang="en-US" sz="2000" dirty="0"/>
+              <a:t>specified with </a:t>
+            </a:r>
+            <a:r>
+              <a:rPr lang="en-US" sz="2000" dirty="0">
+                <a:solidFill>
+                  <a:srgbClr val="00B050"/>
+                </a:solidFill>
+              </a:rPr>
+              <a:t>#pragma omp task</a:t>
+            </a:r>
+            <a:r>
+              <a:rPr lang="en-US" sz="2000" dirty="0"/>
+              <a:t>, OpenMP has also the notion of </a:t>
+            </a:r>
+            <a:r>
+              <a:rPr lang="en-US" sz="2000" dirty="0">
+                <a:solidFill>
+                  <a:srgbClr val="FF0000"/>
+                </a:solidFill>
+              </a:rPr>
+              <a:t>implicit tasks</a:t>
+            </a:r>
+            <a:r>
+              <a:rPr lang="en-US" sz="2000" dirty="0"/>
+              <a:t>.</a:t>
+            </a:r>
+          </a:p>
+          <a:p>
             <a:pPr marL="0" indent="0">
               <a:buNone/>
             </a:pPr>
-            <a:r>
-              <a:rPr lang="en-US" sz="2000" dirty="0"/>
-              <a:t>In addition to </a:t>
-            </a:r>
-            <a:r>
-              <a:rPr lang="en-US" sz="2000" dirty="0">
-                <a:solidFill>
-                  <a:srgbClr val="FF0000"/>
-                </a:solidFill>
-              </a:rPr>
-              <a:t>explicit tasks </a:t>
-            </a:r>
-            <a:r>
-              <a:rPr lang="en-US" sz="2000" dirty="0"/>
-              <a:t>specified with </a:t>
-            </a:r>
-            <a:r>
-              <a:rPr lang="en-US" sz="2000" dirty="0">
-                <a:solidFill>
-                  <a:srgbClr val="00B050"/>
-                </a:solidFill>
-              </a:rPr>
-              <a:t>#pragma omp task</a:t>
-            </a:r>
-            <a:r>
-              <a:rPr lang="en-US" sz="2000" dirty="0"/>
-              <a:t>, OpenMP has also the notion of </a:t>
-            </a:r>
-            <a:r>
-              <a:rPr lang="en-US" sz="2000" dirty="0">
-                <a:solidFill>
-                  <a:srgbClr val="FF0000"/>
-                </a:solidFill>
-              </a:rPr>
-              <a:t>implicit tasks</a:t>
-            </a:r>
-            <a:r>
-              <a:rPr lang="en-US" sz="2000" dirty="0"/>
-              <a:t>.</a:t>
-            </a:r>
-          </a:p>
-          <a:p>
-            <a:pPr marL="0" indent="0">
-              <a:buNone/>
-            </a:pPr>
             <a:endParaRPr lang="en-US" sz="2000" dirty="0"/>
           </a:p>
           <a:p>
-            <a:pPr marL="0" indent="0">
-              <a:buNone/>
-            </a:pPr>
-            <a:r>
-              <a:rPr lang="en-US" sz="2000" dirty="0"/>
-              <a:t>An implicit task is one that is </a:t>
-            </a:r>
-            <a:r>
-              <a:rPr lang="en-US" sz="2000" dirty="0">
-                <a:solidFill>
-                  <a:srgbClr val="FF0000"/>
-                </a:solidFill>
-              </a:rPr>
-              <a:t>implicitly created </a:t>
-            </a:r>
-            <a:r>
-              <a:rPr lang="en-US" sz="2000" dirty="0"/>
-              <a:t>when</a:t>
-            </a:r>
-            <a:r>
-              <a:rPr lang="en-US" sz="2000" dirty="0">
-                <a:solidFill>
-                  <a:srgbClr val="FF0000"/>
-                </a:solidFill>
-              </a:rPr>
-              <a:t> a parallel construct </a:t>
-            </a:r>
-            <a:r>
-              <a:rPr lang="en-US" sz="2000" dirty="0"/>
-              <a:t>specified with</a:t>
-            </a:r>
-            <a:r>
-              <a:rPr lang="en-US" sz="2000" dirty="0">
-                <a:solidFill>
-                  <a:srgbClr val="FF0000"/>
-                </a:solidFill>
-              </a:rPr>
-              <a:t> </a:t>
-            </a:r>
-            <a:r>
-              <a:rPr lang="en-US" sz="2000" dirty="0">
-                <a:solidFill>
-                  <a:srgbClr val="00B050"/>
-                </a:solidFill>
-              </a:rPr>
-              <a:t>#pragma omp parallel </a:t>
-            </a:r>
-            <a:r>
-              <a:rPr lang="en-US" sz="2000" dirty="0"/>
-              <a:t>is encountered.</a:t>
-            </a:r>
-          </a:p>
-          <a:p>
-            <a:pPr lvl="1">
+            <a:pPr>
               <a:buFont typeface="Wingdings" panose="05000000000000000000" pitchFamily="2" charset="2"/>
               <a:buChar char="q"/>
+            </a:pPr>
+            <a:r>
+              <a:rPr lang="en-US" sz="2000" dirty="0"/>
+              <a:t>An implicit task is one that is </a:t>
+            </a:r>
+            <a:r>
+              <a:rPr lang="en-US" sz="2000" dirty="0">
+                <a:solidFill>
+                  <a:srgbClr val="FF0000"/>
+                </a:solidFill>
+              </a:rPr>
+              <a:t>implicitly created </a:t>
+            </a:r>
+            <a:r>
+              <a:rPr lang="en-US" sz="2000" dirty="0"/>
+              <a:t>when</a:t>
+            </a:r>
+            <a:r>
+              <a:rPr lang="en-US" sz="2000" dirty="0">
+                <a:solidFill>
+                  <a:srgbClr val="FF0000"/>
+                </a:solidFill>
+              </a:rPr>
+              <a:t> a parallel construct </a:t>
+            </a:r>
+            <a:r>
+              <a:rPr lang="en-US" sz="2000" dirty="0"/>
+              <a:t>specified with</a:t>
+            </a:r>
+            <a:r>
+              <a:rPr lang="en-US" sz="2000" dirty="0">
+                <a:solidFill>
+                  <a:srgbClr val="FF0000"/>
+                </a:solidFill>
+              </a:rPr>
+              <a:t> </a:t>
+            </a:r>
+            <a:r>
+              <a:rPr lang="en-US" sz="2000" dirty="0">
+                <a:solidFill>
+                  <a:srgbClr val="00B050"/>
+                </a:solidFill>
+              </a:rPr>
+              <a:t>#pragma omp parallel </a:t>
+            </a:r>
+            <a:r>
+              <a:rPr lang="en-US" sz="2000" dirty="0"/>
+              <a:t>is encountered.</a:t>
+            </a:r>
+          </a:p>
+          <a:p>
+            <a:pPr lvl="1">
+              <a:buFont typeface="Courier New" panose="02070309020205020404" pitchFamily="49" charset="0"/>
+              <a:buChar char="o"/>
             </a:pPr>
             <a:r>
               <a:rPr lang="en-US" sz="2000" dirty="0"/>
@@ -7724,17 +7776,7 @@
             </a:pPr>
             <a:r>
               <a:rPr lang="en-US" sz="2000" dirty="0"/>
-              <a:t>Threadprivate Data [</a:t>
-            </a:r>
-            <a:r>
-              <a:rPr lang="en-US" sz="2000" dirty="0">
-                <a:hlinkClick r:id="rId2" action="ppaction://hlinksldjump"/>
-              </a:rPr>
-              <a:t>See</a:t>
-            </a:r>
-            <a:r>
-              <a:rPr lang="en-US" sz="2000" dirty="0"/>
-              <a:t>]</a:t>
+              <a:t>Threadprivate Data </a:t>
             </a:r>
           </a:p>
           <a:p>
@@ -7794,7 +7836,7 @@
           <p:nvPr/>
         </p:nvPicPr>
         <p:blipFill>
-          <a:blip r:embed="rId3"/>
+          <a:blip r:embed="rId2"/>
           <a:stretch>
             <a:fillRect/>
           </a:stretch>
@@ -8313,102 +8355,126 @@
           </a:bodyPr>
           <a:lstStyle/>
           <a:p>
-            <a:pPr marL="0" indent="0">
-              <a:buNone/>
-            </a:pPr>
-            <a:r>
-              <a:rPr lang="en-US" sz="2000" dirty="0"/>
-              <a:t>At a </a:t>
-            </a:r>
-            <a:r>
-              <a:rPr lang="en-US" sz="2000" dirty="0">
-                <a:solidFill>
-                  <a:srgbClr val="FF0000"/>
-                </a:solidFill>
-              </a:rPr>
-              <a:t>TSP</a:t>
-            </a:r>
-            <a:r>
-              <a:rPr lang="en-US" sz="2000" dirty="0"/>
-              <a:t>,  a thread that is executing a task </a:t>
-            </a:r>
-            <a:r>
-              <a:rPr lang="en-US" sz="2000" i="1" dirty="0"/>
-              <a:t>A </a:t>
-            </a:r>
-            <a:r>
-              <a:rPr lang="en-US" sz="2000" dirty="0"/>
-              <a:t>may</a:t>
-            </a:r>
-          </a:p>
-          <a:p>
-            <a:pPr lvl="1">
+            <a:pPr>
               <a:buFont typeface="Wingdings" panose="05000000000000000000" pitchFamily="2" charset="2"/>
               <a:buChar char="q"/>
             </a:pPr>
             <a:r>
               <a:rPr lang="en-US" sz="2000" dirty="0"/>
-              <a:t>  temporarily suspend </a:t>
-            </a:r>
+              <a:t>At a TSP,  a thread that is executing a Task </a:t>
+            </a:r>
+            <a:r>
+              <a:rPr lang="en-US" sz="2000" i="1" dirty="0">
+                <a:solidFill>
+                  <a:srgbClr val="FF0000"/>
+                </a:solidFill>
+              </a:rPr>
+              <a:t>A</a:t>
+            </a:r>
+            <a:r>
+              <a:rPr lang="en-US" sz="2000" i="1" dirty="0"/>
+              <a:t> </a:t>
+            </a:r>
+            <a:r>
+              <a:rPr lang="en-US" sz="2000" dirty="0"/>
+              <a:t>may</a:t>
+            </a:r>
+          </a:p>
+          <a:p>
+            <a:pPr lvl="1">
+              <a:buFont typeface="Courier New" panose="02070309020205020404" pitchFamily="49" charset="0"/>
+              <a:buChar char="o"/>
+            </a:pPr>
+            <a:r>
+              <a:rPr lang="en-US" sz="2000" dirty="0"/>
+              <a:t>  suspend the current Task </a:t>
+            </a:r>
+            <a:r>
+              <a:rPr lang="en-US" sz="2000" i="1" dirty="0">
+                <a:solidFill>
+                  <a:srgbClr val="FF0000"/>
+                </a:solidFill>
+              </a:rPr>
+              <a:t>A</a:t>
+            </a:r>
+            <a:r>
+              <a:rPr lang="en-US" sz="2000" dirty="0"/>
+              <a:t> temporarily</a:t>
+            </a:r>
+          </a:p>
+          <a:p>
+            <a:pPr marL="457200" lvl="1" indent="0">
+              <a:buNone/>
+            </a:pPr>
             <a:r>
               <a:rPr lang="en-US" sz="2000" dirty="0">
                 <a:solidFill>
                   <a:srgbClr val="FF0000"/>
                 </a:solidFill>
               </a:rPr>
-              <a:t>the current task</a:t>
-            </a:r>
-            <a:r>
-              <a:rPr lang="en-US" sz="2000" dirty="0"/>
-              <a:t> </a:t>
-            </a:r>
-            <a:r>
-              <a:rPr lang="en-US" sz="2000" i="1" dirty="0"/>
-              <a:t>A</a:t>
-            </a:r>
-            <a:r>
-              <a:rPr lang="en-US" sz="2000" dirty="0"/>
-              <a:t> and</a:t>
+              <a:t>AND</a:t>
             </a:r>
           </a:p>
           <a:p>
             <a:pPr lvl="1">
+              <a:buFont typeface="Courier New" panose="02070309020205020404" pitchFamily="49" charset="0"/>
+              <a:buChar char="o"/>
+            </a:pPr>
+            <a:r>
+              <a:rPr lang="en-US" sz="2000" dirty="0"/>
+              <a:t>  switch to execute a different Task </a:t>
+            </a:r>
+            <a:r>
+              <a:rPr lang="en-US" sz="2000" i="1" dirty="0">
+                <a:solidFill>
+                  <a:srgbClr val="FF0000"/>
+                </a:solidFill>
+              </a:rPr>
+              <a:t>B</a:t>
+            </a:r>
+          </a:p>
+          <a:p>
+            <a:pPr>
               <a:buFont typeface="Wingdings" panose="05000000000000000000" pitchFamily="2" charset="2"/>
               <a:buChar char="q"/>
             </a:pPr>
             <a:r>
               <a:rPr lang="en-US" sz="2000" dirty="0"/>
-              <a:t>  switch to execute </a:t>
-            </a:r>
-            <a:r>
-              <a:rPr lang="en-US" sz="2000" dirty="0">
-                <a:solidFill>
-                  <a:srgbClr val="FF0000"/>
-                </a:solidFill>
-              </a:rPr>
-              <a:t>a different task </a:t>
-            </a:r>
-            <a:r>
-              <a:rPr lang="en-US" sz="2000" i="1" dirty="0"/>
-              <a:t>B</a:t>
-            </a:r>
-          </a:p>
-          <a:p>
-            <a:pPr lvl="2">
+              <a:t>With task scheduling, a thread can </a:t>
+            </a:r>
+            <a:r>
+              <a:rPr lang="en-US" dirty="0"/>
+              <a:t>	</a:t>
+            </a:r>
+          </a:p>
+          <a:p>
+            <a:pPr lvl="1">
               <a:buFont typeface="Courier New" panose="02070309020205020404" pitchFamily="49" charset="0"/>
               <a:buChar char="o"/>
             </a:pPr>
             <a:r>
+              <a:rPr lang="en-US" sz="2000" dirty="0"/>
+              <a:t> execute an already created task to drain the task pool</a:t>
+            </a:r>
+          </a:p>
+          <a:p>
+            <a:pPr lvl="2">
+              <a:buFont typeface="Wingdings" panose="05000000000000000000" pitchFamily="2" charset="2"/>
+              <a:buChar char="§"/>
+            </a:pPr>
+            <a:r>
               <a:rPr lang="en-US" dirty="0"/>
-              <a:t>It can either start  or resume this other task </a:t>
-            </a:r>
-            <a:r>
-              <a:rPr lang="en-US" i="1" dirty="0"/>
-              <a:t>B</a:t>
-            </a:r>
-            <a:r>
-              <a:rPr lang="en-US" dirty="0"/>
-              <a:t>.		</a:t>
+              <a:t>To prevent the data structures for managing tasks from overflowing</a:t>
+            </a:r>
+          </a:p>
+          <a:p>
+            <a:pPr lvl="1">
+              <a:buFont typeface="Courier New" panose="02070309020205020404" pitchFamily="49" charset="0"/>
+              <a:buChar char="o"/>
+            </a:pPr>
+            <a:r>
+              <a:rPr lang="en-US" sz="2000" dirty="0"/>
+              <a:t> execute the encountered task immediately instead of deferring the task </a:t>
             </a:r>
           </a:p>
         </p:txBody>
@@ -8534,7 +8600,27 @@
             </a:pPr>
             <a:r>
               <a:rPr lang="en-US" sz="2000" dirty="0"/>
-              <a:t>The taskyield directive explicitly specifies that </a:t>
+              <a:t>The taskyield directive explicitly specifies that the current task can be suspended in favor of a different task: </a:t>
+            </a:r>
+          </a:p>
+          <a:p>
+            <a:pPr>
+              <a:buFont typeface="Wingdings" panose="05000000000000000000" pitchFamily="2" charset="2"/>
+              <a:buChar char="q"/>
+            </a:pPr>
+            <a:r>
+              <a:rPr lang="en-US" sz="2000" dirty="0"/>
+              <a:t> The OpenMP implementation may take this directive only as a hint.</a:t>
+            </a:r>
+          </a:p>
+          <a:p>
+            <a:pPr>
+              <a:buFont typeface="Wingdings" panose="05000000000000000000" pitchFamily="2" charset="2"/>
+              <a:buChar char="q"/>
+            </a:pPr>
+            <a:r>
+              <a:rPr lang="en-US" sz="2000" dirty="0"/>
+              <a:t> So it might be implemented as a </a:t>
             </a:r>
             <a:r>
               <a:rPr lang="en-US" sz="2000" dirty="0">
@@ -8542,31 +8628,17 @@
                   <a:srgbClr val="FF0000"/>
                 </a:solidFill>
               </a:rPr>
-              <a:t>the current task </a:t>
-            </a:r>
-            <a:r>
-              <a:rPr lang="en-US" sz="2000" dirty="0"/>
-              <a:t>can be </a:t>
+              <a:t>nop</a:t>
+            </a:r>
+            <a:r>
+              <a:rPr lang="en-US" sz="2000" dirty="0"/>
+              <a:t> </a:t>
             </a:r>
             <a:r>
               <a:rPr lang="en-US" sz="2000" dirty="0">
-                <a:solidFill>
-                  <a:srgbClr val="FF0000"/>
-                </a:solidFill>
-              </a:rPr>
-              <a:t>suspended</a:t>
-            </a:r>
-            <a:r>
-              <a:rPr lang="en-US" sz="2000" dirty="0"/>
-              <a:t> in favor of </a:t>
-            </a:r>
-            <a:r>
-              <a:rPr lang="en-US" sz="2000" dirty="0">
-                <a:solidFill>
-                  <a:srgbClr val="FF0000"/>
-                </a:solidFill>
-              </a:rPr>
-              <a:t>a different task</a:t>
+                <a:sym typeface="Wingdings" panose="05000000000000000000" pitchFamily="2" charset="2"/>
+              </a:rPr>
+              <a:t></a:t>
             </a:r>
             <a:r>
               <a:rPr lang="en-US" sz="2000" dirty="0"/>
@@ -8597,7 +8669,7 @@
         </p:blipFill>
         <p:spPr>
           <a:xfrm>
-            <a:off x="831089" y="2589976"/>
+            <a:off x="823981" y="3740659"/>
             <a:ext cx="4971275" cy="2436304"/>
           </a:xfrm>
           <a:prstGeom prst="rect">
@@ -8627,7 +8699,7 @@
         </p:blipFill>
         <p:spPr>
           <a:xfrm>
-            <a:off x="6389638" y="4851400"/>
+            <a:off x="6396745" y="4851400"/>
             <a:ext cx="4957055" cy="1325563"/>
           </a:xfrm>
           <a:prstGeom prst="rect">
@@ -8792,7 +8864,7 @@
             <a:r>
               <a:rPr lang="en-US" sz="2000" u="sng" dirty="0">
                 <a:solidFill>
-                  <a:srgbClr val="FF0000"/>
+                  <a:srgbClr val="00B050"/>
                 </a:solidFill>
               </a:rPr>
               <a:t>Caveat with threadprivate and thread-specific information</a:t>
@@ -8800,7 +8872,7 @@
             <a:r>
               <a:rPr lang="en-US" sz="2000" dirty="0">
                 <a:solidFill>
-                  <a:srgbClr val="FF0000"/>
+                  <a:srgbClr val="00B050"/>
                 </a:solidFill>
               </a:rPr>
               <a:t>:</a:t>
@@ -9111,14 +9183,30 @@
                   <a:srgbClr val="FF0000"/>
                 </a:solidFill>
               </a:rPr>
-              <a:t> tiedness </a:t>
+              <a:t> </a:t>
+            </a:r>
+            <a:r>
+              <a:rPr lang="en-US" sz="2000" i="1" dirty="0">
+                <a:solidFill>
+                  <a:srgbClr val="FF0000"/>
+                </a:solidFill>
+              </a:rPr>
+              <a:t>tiedness</a:t>
+            </a:r>
+            <a:r>
+              <a:rPr lang="en-US" sz="2000" dirty="0">
+                <a:solidFill>
+                  <a:srgbClr val="FF0000"/>
+                </a:solidFill>
+              </a:rPr>
+              <a:t> </a:t>
             </a:r>
             <a:r>
               <a:rPr lang="en-US" sz="2000" dirty="0"/>
               <a:t>and </a:t>
             </a:r>
             <a:r>
-              <a:rPr lang="en-US" sz="2000" dirty="0">
+              <a:rPr lang="en-US" sz="2000" i="1" dirty="0">
                 <a:solidFill>
                   <a:srgbClr val="FF0000"/>
                 </a:solidFill>
@@ -9250,19 +9338,7 @@
             </a:pPr>
             <a:r>
               <a:rPr lang="en-US" sz="2000" dirty="0"/>
-              <a:t>If more than one of the above choices is available, it is </a:t>
-            </a:r>
-            <a:r>
-              <a:rPr lang="en-US" sz="2000" dirty="0">
-                <a:solidFill>
-                  <a:srgbClr val="FF0000"/>
-                </a:solidFill>
-              </a:rPr>
-              <a:t>unspecified</a:t>
-            </a:r>
-            <a:r>
-              <a:rPr lang="en-US" sz="2000" dirty="0"/>
-              <a:t> as to which option will be chosen by the OpenMP runtime. </a:t>
+              <a:t>If more than one of the above choices is available, it is unspecified as to which option will be chosen by the OpenMP runtime. </a:t>
             </a:r>
           </a:p>
         </p:txBody>
@@ -12778,12 +12854,28 @@
               <a:t>executed immediately </a:t>
             </a:r>
             <a:r>
+              <a:rPr lang="en-US" sz="2000">
+                <a:solidFill>
+                  <a:srgbClr val="00B050"/>
+                </a:solidFill>
+              </a:rPr>
+              <a:t>and sequentially </a:t>
+            </a:r>
+            <a:r>
+              <a:rPr lang="en-US" sz="2000">
+                <a:solidFill>
+                  <a:srgbClr val="FF0000"/>
+                </a:solidFill>
+              </a:rPr>
+              <a:t>by </a:t>
+            </a:r>
+            <a:r>
               <a:rPr lang="en-US" sz="2000" dirty="0">
                 <a:solidFill>
                   <a:srgbClr val="FF0000"/>
                 </a:solidFill>
               </a:rPr>
-              <a:t>by the same threads</a:t>
+              <a:t>the same threads</a:t>
             </a:r>
           </a:p>
           <a:p>
@@ -13202,33 +13294,10 @@
             </a:r>
           </a:p>
           <a:p>
-            <a:pPr>
-              <a:buFont typeface="Wingdings" panose="05000000000000000000" pitchFamily="2" charset="2"/>
-              <a:buChar char="q"/>
+            <a:pPr marL="0" indent="0">
+              <a:buNone/>
             </a:pPr>
             <a:endParaRPr lang="en-US" sz="2000" dirty="0"/>
-          </a:p>
-          <a:p>
-            <a:pPr>
-              <a:buFont typeface="Wingdings" panose="05000000000000000000" pitchFamily="2" charset="2"/>
-              <a:buChar char="q"/>
-            </a:pPr>
-            <a:r>
-              <a:rPr lang="en-US" sz="2000" dirty="0"/>
-              <a:t> No commercial OpenMP implementations have taken advantage of </a:t>
-            </a:r>
-            <a:r>
-              <a:rPr lang="en-US" sz="2000" i="1" dirty="0">
-                <a:solidFill>
-                  <a:srgbClr val="FF0000"/>
-                </a:solidFill>
-              </a:rPr>
-              <a:t>mergeable</a:t>
-            </a:r>
-            <a:r>
-              <a:rPr lang="en-US" sz="2000" dirty="0"/>
-              <a:t> yet.</a:t>
-            </a:r>
           </a:p>
         </p:txBody>
       </p:sp>
